--- a/Präsentation/Smart Alarm.pptx
+++ b/Präsentation/Smart Alarm.pptx
@@ -7,7 +7,8 @@
   <p:sldIdLst>
     <p:sldId id="256" r:id="rId2"/>
     <p:sldId id="257" r:id="rId3"/>
-    <p:sldId id="258" r:id="rId4"/>
+    <p:sldId id="259" r:id="rId4"/>
+    <p:sldId id="258" r:id="rId5"/>
   </p:sldIdLst>
   <p:sldSz cx="9144000" cy="6858000" type="screen4x3"/>
   <p:notesSz cx="6858000" cy="9144000"/>
@@ -3160,17 +3161,6 @@
                   <a:schemeClr val="tx1"/>
                 </a:solidFill>
               </a:rPr>
-              <a:t>	Mike</a:t>
-            </a:r>
-          </a:p>
-          <a:p>
-            <a:pPr algn="l"/>
-            <a:r>
-              <a:rPr lang="de-DE" dirty="0" smtClean="0">
-                <a:solidFill>
-                  <a:schemeClr val="tx1"/>
-                </a:solidFill>
-              </a:rPr>
               <a:t>	</a:t>
             </a:r>
             <a:r>
@@ -3186,6 +3176,25 @@
                 <a:schemeClr val="tx1"/>
               </a:solidFill>
             </a:endParaRPr>
+          </a:p>
+          <a:p>
+            <a:pPr algn="l"/>
+            <a:r>
+              <a:rPr lang="de-DE" dirty="0">
+                <a:solidFill>
+                  <a:schemeClr val="tx1"/>
+                </a:solidFill>
+              </a:rPr>
+              <a:t>	</a:t>
+            </a:r>
+            <a:r>
+              <a:rPr lang="de-DE" dirty="0" smtClean="0">
+                <a:solidFill>
+                  <a:schemeClr val="tx1"/>
+                </a:solidFill>
+              </a:rPr>
+              <a:t>Mike</a:t>
+            </a:r>
           </a:p>
           <a:p>
             <a:pPr algn="l"/>
@@ -3643,7 +3652,7 @@
     </p:tnLst>
     <p:bldLst>
       <p:bldP spid="2" grpId="0"/>
-      <p:bldP spid="3" grpId="0" build="p"/>
+      <p:bldP spid="3" grpId="0" uiExpand="1" build="p"/>
       <p:bldP spid="5" grpId="0"/>
     </p:bldLst>
   </p:timing>
@@ -3667,37 +3676,9 @@
           <a:chExt cx="0" cy="0"/>
         </a:xfrm>
       </p:grpSpPr>
-      <p:sp>
-        <p:nvSpPr>
-          <p:cNvPr id="2" name="Titel 1"/>
-          <p:cNvSpPr>
-            <a:spLocks noGrp="1"/>
-          </p:cNvSpPr>
-          <p:nvPr>
-            <p:ph type="title"/>
-          </p:nvPr>
-        </p:nvSpPr>
-        <p:spPr>
-          <a:xfrm>
-            <a:off x="1115616" y="0"/>
-            <a:ext cx="3034680" cy="1143000"/>
-          </a:xfrm>
-        </p:spPr>
-        <p:txBody>
-          <a:bodyPr/>
-          <a:lstStyle/>
-          <a:p>
-            <a:r>
-              <a:rPr lang="de-DE" dirty="0" smtClean="0"/>
-              <a:t>Features</a:t>
-            </a:r>
-            <a:endParaRPr lang="de-DE" dirty="0"/>
-          </a:p>
-        </p:txBody>
-      </p:sp>
       <p:pic>
         <p:nvPicPr>
-          <p:cNvPr id="1026" name="Picture 2" descr="C:\Users\Martin\Downloads\wetter_icon\Screenshot_2016-11-18-17-48-33.png"/>
+          <p:cNvPr id="21" name="Picture 2" descr="C:\Users\Martin\Downloads\wetter_icon\Screenshot_2016-11-18-17-48-33.png"/>
           <p:cNvPicPr>
             <a:picLocks noChangeAspect="1" noChangeArrowheads="1"/>
           </p:cNvPicPr>
@@ -3705,7 +3686,6 @@
         </p:nvPicPr>
         <p:blipFill>
           <a:blip r:embed="rId2" cstate="print"/>
-          <a:srcRect/>
           <a:stretch>
             <a:fillRect/>
           </a:stretch>
@@ -3713,7 +3693,7 @@
         <p:spPr bwMode="auto">
           <a:xfrm>
             <a:off x="4572000" y="548680"/>
-            <a:ext cx="3188256" cy="5668011"/>
+            <a:ext cx="3188256" cy="5668010"/>
           </a:xfrm>
           <a:prstGeom prst="rect">
             <a:avLst/>
@@ -3721,6 +3701,34 @@
           <a:noFill/>
         </p:spPr>
       </p:pic>
+      <p:sp>
+        <p:nvSpPr>
+          <p:cNvPr id="2" name="Titel 1"/>
+          <p:cNvSpPr>
+            <a:spLocks noGrp="1"/>
+          </p:cNvSpPr>
+          <p:nvPr>
+            <p:ph type="title"/>
+          </p:nvPr>
+        </p:nvSpPr>
+        <p:spPr>
+          <a:xfrm>
+            <a:off x="611560" y="0"/>
+            <a:ext cx="3034680" cy="1143000"/>
+          </a:xfrm>
+        </p:spPr>
+        <p:txBody>
+          <a:bodyPr/>
+          <a:lstStyle/>
+          <a:p>
+            <a:r>
+              <a:rPr lang="de-DE" dirty="0" smtClean="0"/>
+              <a:t>Features</a:t>
+            </a:r>
+            <a:endParaRPr lang="de-DE" dirty="0"/>
+          </a:p>
+        </p:txBody>
+      </p:sp>
       <p:sp>
         <p:nvSpPr>
           <p:cNvPr id="7" name="Bogen 6"/>
@@ -3913,7 +3921,7 @@
         </p:nvSpPr>
         <p:spPr>
           <a:xfrm>
-            <a:off x="2051720" y="3068960"/>
+            <a:off x="1691680" y="3429000"/>
             <a:ext cx="2304256" cy="584775"/>
           </a:xfrm>
           <a:prstGeom prst="rect">
@@ -3951,12 +3959,98 @@
         </p:nvSpPr>
         <p:spPr>
           <a:xfrm rot="20702787" flipV="1">
-            <a:off x="3614592" y="2309595"/>
-            <a:ext cx="3772475" cy="1296144"/>
+            <a:off x="2970550" y="2179186"/>
+            <a:ext cx="4527631" cy="1993749"/>
           </a:xfrm>
           <a:prstGeom prst="arc">
             <a:avLst>
               <a:gd name="adj1" fmla="val 11241732"/>
+              <a:gd name="adj2" fmla="val 21172045"/>
+            </a:avLst>
+          </a:prstGeom>
+          <a:ln w="25400"/>
+        </p:spPr>
+        <p:style>
+          <a:lnRef idx="1">
+            <a:schemeClr val="accent1"/>
+          </a:lnRef>
+          <a:fillRef idx="0">
+            <a:schemeClr val="accent1"/>
+          </a:fillRef>
+          <a:effectRef idx="0">
+            <a:schemeClr val="accent1"/>
+          </a:effectRef>
+          <a:fontRef idx="minor">
+            <a:schemeClr val="tx1"/>
+          </a:fontRef>
+        </p:style>
+        <p:txBody>
+          <a:bodyPr rtlCol="0" anchor="ctr"/>
+          <a:lstStyle/>
+          <a:p>
+            <a:pPr algn="ctr"/>
+            <a:endParaRPr lang="de-DE" dirty="0"/>
+          </a:p>
+        </p:txBody>
+      </p:sp>
+      <p:sp>
+        <p:nvSpPr>
+          <p:cNvPr id="22" name="Textfeld 21"/>
+          <p:cNvSpPr txBox="1"/>
+          <p:nvPr/>
+        </p:nvSpPr>
+        <p:spPr>
+          <a:xfrm>
+            <a:off x="0" y="2708920"/>
+            <a:ext cx="3024336" cy="584775"/>
+          </a:xfrm>
+          <a:prstGeom prst="rect">
+            <a:avLst/>
+          </a:prstGeom>
+          <a:noFill/>
+        </p:spPr>
+        <p:txBody>
+          <a:bodyPr wrap="square" rtlCol="0">
+            <a:spAutoFit/>
+          </a:bodyPr>
+          <a:lstStyle/>
+          <a:p>
+            <a:pPr algn="ctr"/>
+            <a:r>
+              <a:rPr lang="de-DE" sz="3200" b="1" dirty="0" smtClean="0">
+                <a:latin typeface="Freestyle Script" pitchFamily="66" charset="0"/>
+              </a:rPr>
+              <a:t>Errechnete </a:t>
+            </a:r>
+            <a:r>
+              <a:rPr lang="de-DE" sz="3200" b="1" dirty="0" err="1" smtClean="0">
+                <a:latin typeface="Freestyle Script" pitchFamily="66" charset="0"/>
+              </a:rPr>
+              <a:t>Weckzeit</a:t>
+            </a:r>
+            <a:endParaRPr lang="de-DE" sz="3200" b="1" dirty="0">
+              <a:solidFill>
+                <a:schemeClr val="tx1"/>
+              </a:solidFill>
+              <a:latin typeface="Freestyle Script" pitchFamily="66" charset="0"/>
+            </a:endParaRPr>
+          </a:p>
+        </p:txBody>
+      </p:sp>
+      <p:sp>
+        <p:nvSpPr>
+          <p:cNvPr id="23" name="Bogen 22"/>
+          <p:cNvSpPr/>
+          <p:nvPr/>
+        </p:nvSpPr>
+        <p:spPr>
+          <a:xfrm rot="21155972" flipV="1">
+            <a:off x="2505195" y="2347889"/>
+            <a:ext cx="3059104" cy="964438"/>
+          </a:xfrm>
+          <a:prstGeom prst="arc">
+            <a:avLst>
+              <a:gd name="adj1" fmla="val 11186103"/>
               <a:gd name="adj2" fmla="val 21172045"/>
             </a:avLst>
           </a:prstGeom>
@@ -4065,7 +4159,7 @@
                                           </p:stCondLst>
                                         </p:cTn>
                                         <p:tgtEl>
-                                          <p:spTgt spid="1026"/>
+                                          <p:spTgt spid="21"/>
                                         </p:tgtEl>
                                         <p:attrNameLst>
                                           <p:attrName>style.visibility</p:attrName>
@@ -4079,7 +4173,7 @@
                                       <p:cBhvr>
                                         <p:cTn id="10" dur="2000"/>
                                         <p:tgtEl>
-                                          <p:spTgt spid="1026"/>
+                                          <p:spTgt spid="21"/>
                                         </p:tgtEl>
                                       </p:cBhvr>
                                     </p:animEffect>
@@ -4356,6 +4450,94 @@
                       </p:childTnLst>
                     </p:cTn>
                   </p:par>
+                  <p:par>
+                    <p:cTn id="35" fill="hold">
+                      <p:stCondLst>
+                        <p:cond delay="indefinite"/>
+                      </p:stCondLst>
+                      <p:childTnLst>
+                        <p:par>
+                          <p:cTn id="36" fill="hold">
+                            <p:stCondLst>
+                              <p:cond delay="0"/>
+                            </p:stCondLst>
+                            <p:childTnLst>
+                              <p:par>
+                                <p:cTn id="37" presetID="10" presetClass="entr" presetSubtype="0" fill="hold" grpId="0" nodeType="clickEffect">
+                                  <p:stCondLst>
+                                    <p:cond delay="0"/>
+                                  </p:stCondLst>
+                                  <p:childTnLst>
+                                    <p:set>
+                                      <p:cBhvr>
+                                        <p:cTn id="38" dur="1" fill="hold">
+                                          <p:stCondLst>
+                                            <p:cond delay="0"/>
+                                          </p:stCondLst>
+                                        </p:cTn>
+                                        <p:tgtEl>
+                                          <p:spTgt spid="22"/>
+                                        </p:tgtEl>
+                                        <p:attrNameLst>
+                                          <p:attrName>style.visibility</p:attrName>
+                                        </p:attrNameLst>
+                                      </p:cBhvr>
+                                      <p:to>
+                                        <p:strVal val="visible"/>
+                                      </p:to>
+                                    </p:set>
+                                    <p:animEffect transition="in" filter="fade">
+                                      <p:cBhvr>
+                                        <p:cTn id="39" dur="2000"/>
+                                        <p:tgtEl>
+                                          <p:spTgt spid="22"/>
+                                        </p:tgtEl>
+                                      </p:cBhvr>
+                                    </p:animEffect>
+                                  </p:childTnLst>
+                                </p:cTn>
+                              </p:par>
+                              <p:par>
+                                <p:cTn id="40" presetID="10" presetClass="entr" presetSubtype="0" fill="hold" grpId="0" nodeType="withEffect">
+                                  <p:stCondLst>
+                                    <p:cond delay="0"/>
+                                  </p:stCondLst>
+                                  <p:childTnLst>
+                                    <p:set>
+                                      <p:cBhvr>
+                                        <p:cTn id="41" dur="1" fill="hold">
+                                          <p:stCondLst>
+                                            <p:cond delay="0"/>
+                                          </p:stCondLst>
+                                        </p:cTn>
+                                        <p:tgtEl>
+                                          <p:spTgt spid="23"/>
+                                        </p:tgtEl>
+                                        <p:attrNameLst>
+                                          <p:attrName>style.visibility</p:attrName>
+                                        </p:attrNameLst>
+                                      </p:cBhvr>
+                                      <p:to>
+                                        <p:strVal val="visible"/>
+                                      </p:to>
+                                    </p:set>
+                                    <p:animEffect transition="in" filter="fade">
+                                      <p:cBhvr>
+                                        <p:cTn id="42" dur="2000"/>
+                                        <p:tgtEl>
+                                          <p:spTgt spid="23"/>
+                                        </p:tgtEl>
+                                      </p:cBhvr>
+                                    </p:animEffect>
+                                  </p:childTnLst>
+                                </p:cTn>
+                              </p:par>
+                            </p:childTnLst>
+                          </p:cTn>
+                        </p:par>
+                      </p:childTnLst>
+                    </p:cTn>
+                  </p:par>
                 </p:childTnLst>
               </p:cTn>
               <p:prevCondLst>
@@ -4385,12 +4567,705 @@
       <p:bldP spid="18" grpId="0" animBg="1"/>
       <p:bldP spid="19" grpId="0"/>
       <p:bldP spid="20" grpId="0" animBg="1"/>
+      <p:bldP spid="22" grpId="0"/>
+      <p:bldP spid="23" grpId="0" animBg="1"/>
     </p:bldLst>
   </p:timing>
 </p:sld>
 </file>
 
 <file path=ppt/slides/slide3.xml><?xml version="1.0" encoding="utf-8"?>
+<p:sld xmlns:a="http://schemas.openxmlformats.org/drawingml/2006/main" xmlns:r="http://schemas.openxmlformats.org/officeDocument/2006/relationships" xmlns:p="http://schemas.openxmlformats.org/presentationml/2006/main">
+  <p:cSld>
+    <p:spTree>
+      <p:nvGrpSpPr>
+        <p:cNvPr id="1" name=""/>
+        <p:cNvGrpSpPr/>
+        <p:nvPr/>
+      </p:nvGrpSpPr>
+      <p:grpSpPr>
+        <a:xfrm>
+          <a:off x="0" y="0"/>
+          <a:ext cx="0" cy="0"/>
+          <a:chOff x="0" y="0"/>
+          <a:chExt cx="0" cy="0"/>
+        </a:xfrm>
+      </p:grpSpPr>
+      <p:sp>
+        <p:nvSpPr>
+          <p:cNvPr id="2" name="Titel 1"/>
+          <p:cNvSpPr>
+            <a:spLocks noGrp="1"/>
+          </p:cNvSpPr>
+          <p:nvPr>
+            <p:ph type="title"/>
+          </p:nvPr>
+        </p:nvSpPr>
+        <p:spPr>
+          <a:xfrm>
+            <a:off x="457200" y="274638"/>
+            <a:ext cx="3466728" cy="1143000"/>
+          </a:xfrm>
+        </p:spPr>
+        <p:txBody>
+          <a:bodyPr/>
+          <a:lstStyle/>
+          <a:p>
+            <a:r>
+              <a:rPr lang="de-DE" dirty="0" smtClean="0"/>
+              <a:t>Profile</a:t>
+            </a:r>
+            <a:endParaRPr lang="de-DE" dirty="0"/>
+          </a:p>
+        </p:txBody>
+      </p:sp>
+      <p:pic>
+        <p:nvPicPr>
+          <p:cNvPr id="4" name="Picture 2" descr="C:\Users\Martin\Downloads\wetter_icon\Screenshot_2016-11-18-17-48-33.png"/>
+          <p:cNvPicPr>
+            <a:picLocks noChangeAspect="1" noChangeArrowheads="1"/>
+          </p:cNvPicPr>
+          <p:nvPr/>
+        </p:nvPicPr>
+        <p:blipFill>
+          <a:blip r:embed="rId2" cstate="print"/>
+          <a:stretch>
+            <a:fillRect/>
+          </a:stretch>
+        </p:blipFill>
+        <p:spPr bwMode="auto">
+          <a:xfrm>
+            <a:off x="4572000" y="548680"/>
+            <a:ext cx="3188256" cy="5668010"/>
+          </a:xfrm>
+          <a:prstGeom prst="rect">
+            <a:avLst/>
+          </a:prstGeom>
+          <a:noFill/>
+        </p:spPr>
+      </p:pic>
+      <p:sp>
+        <p:nvSpPr>
+          <p:cNvPr id="6" name="Textfeld 5"/>
+          <p:cNvSpPr txBox="1"/>
+          <p:nvPr/>
+        </p:nvSpPr>
+        <p:spPr>
+          <a:xfrm>
+            <a:off x="755576" y="2924944"/>
+            <a:ext cx="2952328" cy="1077218"/>
+          </a:xfrm>
+          <a:prstGeom prst="rect">
+            <a:avLst/>
+          </a:prstGeom>
+          <a:noFill/>
+        </p:spPr>
+        <p:txBody>
+          <a:bodyPr wrap="square" rtlCol="0">
+            <a:spAutoFit/>
+          </a:bodyPr>
+          <a:lstStyle/>
+          <a:p>
+            <a:pPr algn="ctr"/>
+            <a:r>
+              <a:rPr lang="de-DE" sz="3200" b="1" dirty="0" smtClean="0">
+                <a:latin typeface="Freestyle Script" pitchFamily="66" charset="0"/>
+              </a:rPr>
+              <a:t>Profile durch wischen löschen</a:t>
+            </a:r>
+            <a:endParaRPr lang="de-DE" sz="3200" b="1" dirty="0">
+              <a:solidFill>
+                <a:schemeClr val="tx1"/>
+              </a:solidFill>
+              <a:latin typeface="Freestyle Script" pitchFamily="66" charset="0"/>
+            </a:endParaRPr>
+          </a:p>
+        </p:txBody>
+      </p:sp>
+      <p:sp>
+        <p:nvSpPr>
+          <p:cNvPr id="7" name="Bogen 6"/>
+          <p:cNvSpPr/>
+          <p:nvPr/>
+        </p:nvSpPr>
+        <p:spPr>
+          <a:xfrm flipV="1">
+            <a:off x="2555776" y="5229200"/>
+            <a:ext cx="4824536" cy="1296144"/>
+          </a:xfrm>
+          <a:prstGeom prst="arc">
+            <a:avLst>
+              <a:gd name="adj1" fmla="val 11070788"/>
+              <a:gd name="adj2" fmla="val 21172045"/>
+            </a:avLst>
+          </a:prstGeom>
+          <a:ln w="25400"/>
+        </p:spPr>
+        <p:style>
+          <a:lnRef idx="1">
+            <a:schemeClr val="accent1"/>
+          </a:lnRef>
+          <a:fillRef idx="0">
+            <a:schemeClr val="accent1"/>
+          </a:fillRef>
+          <a:effectRef idx="0">
+            <a:schemeClr val="accent1"/>
+          </a:effectRef>
+          <a:fontRef idx="minor">
+            <a:schemeClr val="tx1"/>
+          </a:fontRef>
+        </p:style>
+        <p:txBody>
+          <a:bodyPr rtlCol="0" anchor="ctr"/>
+          <a:lstStyle/>
+          <a:p>
+            <a:pPr algn="ctr"/>
+            <a:endParaRPr lang="de-DE" dirty="0"/>
+          </a:p>
+        </p:txBody>
+      </p:sp>
+      <p:sp>
+        <p:nvSpPr>
+          <p:cNvPr id="8" name="Textfeld 7"/>
+          <p:cNvSpPr txBox="1"/>
+          <p:nvPr/>
+        </p:nvSpPr>
+        <p:spPr>
+          <a:xfrm>
+            <a:off x="755576" y="5373216"/>
+            <a:ext cx="3384376" cy="584775"/>
+          </a:xfrm>
+          <a:prstGeom prst="rect">
+            <a:avLst/>
+          </a:prstGeom>
+          <a:noFill/>
+        </p:spPr>
+        <p:txBody>
+          <a:bodyPr wrap="square" rtlCol="0">
+            <a:spAutoFit/>
+          </a:bodyPr>
+          <a:lstStyle/>
+          <a:p>
+            <a:pPr algn="ctr"/>
+            <a:r>
+              <a:rPr lang="de-DE" sz="3200" b="1" dirty="0" smtClean="0">
+                <a:solidFill>
+                  <a:schemeClr val="tx1"/>
+                </a:solidFill>
+                <a:latin typeface="Freestyle Script" pitchFamily="66" charset="0"/>
+              </a:rPr>
+              <a:t>Neues Profil hinzufügen</a:t>
+            </a:r>
+            <a:endParaRPr lang="de-DE" sz="3200" b="1" dirty="0">
+              <a:solidFill>
+                <a:schemeClr val="tx1"/>
+              </a:solidFill>
+              <a:latin typeface="Freestyle Script" pitchFamily="66" charset="0"/>
+            </a:endParaRPr>
+          </a:p>
+        </p:txBody>
+      </p:sp>
+      <p:sp>
+        <p:nvSpPr>
+          <p:cNvPr id="9" name="Textfeld 8"/>
+          <p:cNvSpPr txBox="1"/>
+          <p:nvPr/>
+        </p:nvSpPr>
+        <p:spPr>
+          <a:xfrm>
+            <a:off x="683568" y="1628800"/>
+            <a:ext cx="2952328" cy="584775"/>
+          </a:xfrm>
+          <a:prstGeom prst="rect">
+            <a:avLst/>
+          </a:prstGeom>
+          <a:noFill/>
+        </p:spPr>
+        <p:txBody>
+          <a:bodyPr wrap="square" rtlCol="0">
+            <a:spAutoFit/>
+          </a:bodyPr>
+          <a:lstStyle/>
+          <a:p>
+            <a:pPr algn="ctr"/>
+            <a:r>
+              <a:rPr lang="de-DE" sz="3200" b="1" dirty="0" smtClean="0">
+                <a:latin typeface="Freestyle Script" pitchFamily="66" charset="0"/>
+              </a:rPr>
+              <a:t>Profile editieren</a:t>
+            </a:r>
+            <a:endParaRPr lang="de-DE" sz="3200" b="1" dirty="0">
+              <a:solidFill>
+                <a:schemeClr val="tx1"/>
+              </a:solidFill>
+              <a:latin typeface="Freestyle Script" pitchFamily="66" charset="0"/>
+            </a:endParaRPr>
+          </a:p>
+        </p:txBody>
+      </p:sp>
+      <p:sp>
+        <p:nvSpPr>
+          <p:cNvPr id="10" name="Bogen 9"/>
+          <p:cNvSpPr/>
+          <p:nvPr/>
+        </p:nvSpPr>
+        <p:spPr>
+          <a:xfrm rot="20919798" flipV="1">
+            <a:off x="3356255" y="2802604"/>
+            <a:ext cx="2455590" cy="374428"/>
+          </a:xfrm>
+          <a:prstGeom prst="arc">
+            <a:avLst>
+              <a:gd name="adj1" fmla="val 11070788"/>
+              <a:gd name="adj2" fmla="val 21307537"/>
+            </a:avLst>
+          </a:prstGeom>
+          <a:ln w="25400"/>
+        </p:spPr>
+        <p:style>
+          <a:lnRef idx="1">
+            <a:schemeClr val="accent1"/>
+          </a:lnRef>
+          <a:fillRef idx="0">
+            <a:schemeClr val="accent1"/>
+          </a:fillRef>
+          <a:effectRef idx="0">
+            <a:schemeClr val="accent1"/>
+          </a:effectRef>
+          <a:fontRef idx="minor">
+            <a:schemeClr val="tx1"/>
+          </a:fontRef>
+        </p:style>
+        <p:txBody>
+          <a:bodyPr rtlCol="0" anchor="ctr"/>
+          <a:lstStyle/>
+          <a:p>
+            <a:pPr algn="ctr"/>
+            <a:endParaRPr lang="de-DE" dirty="0"/>
+          </a:p>
+        </p:txBody>
+      </p:sp>
+      <p:sp>
+        <p:nvSpPr>
+          <p:cNvPr id="11" name="Bogen 10"/>
+          <p:cNvSpPr/>
+          <p:nvPr/>
+        </p:nvSpPr>
+        <p:spPr>
+          <a:xfrm>
+            <a:off x="3131840" y="1772816"/>
+            <a:ext cx="1519486" cy="430309"/>
+          </a:xfrm>
+          <a:prstGeom prst="arc">
+            <a:avLst>
+              <a:gd name="adj1" fmla="val 11070788"/>
+              <a:gd name="adj2" fmla="val 21307537"/>
+            </a:avLst>
+          </a:prstGeom>
+          <a:ln w="25400"/>
+        </p:spPr>
+        <p:style>
+          <a:lnRef idx="1">
+            <a:schemeClr val="accent1"/>
+          </a:lnRef>
+          <a:fillRef idx="0">
+            <a:schemeClr val="accent1"/>
+          </a:fillRef>
+          <a:effectRef idx="0">
+            <a:schemeClr val="accent1"/>
+          </a:effectRef>
+          <a:fontRef idx="minor">
+            <a:schemeClr val="tx1"/>
+          </a:fontRef>
+        </p:style>
+        <p:txBody>
+          <a:bodyPr rtlCol="0" anchor="ctr"/>
+          <a:lstStyle/>
+          <a:p>
+            <a:pPr algn="ctr"/>
+            <a:endParaRPr lang="de-DE" dirty="0"/>
+          </a:p>
+        </p:txBody>
+      </p:sp>
+    </p:spTree>
+  </p:cSld>
+  <p:clrMapOvr>
+    <a:masterClrMapping/>
+  </p:clrMapOvr>
+  <p:transition>
+    <p:fade thruBlk="1"/>
+  </p:transition>
+  <p:timing>
+    <p:tnLst>
+      <p:par>
+        <p:cTn id="1" dur="indefinite" restart="never" nodeType="tmRoot">
+          <p:childTnLst>
+            <p:seq concurrent="1" nextAc="seek">
+              <p:cTn id="2" dur="indefinite" nodeType="mainSeq">
+                <p:childTnLst>
+                  <p:par>
+                    <p:cTn id="3" fill="hold">
+                      <p:stCondLst>
+                        <p:cond delay="indefinite"/>
+                        <p:cond evt="onBegin" delay="0">
+                          <p:tn val="2"/>
+                        </p:cond>
+                      </p:stCondLst>
+                      <p:childTnLst>
+                        <p:par>
+                          <p:cTn id="4" fill="hold">
+                            <p:stCondLst>
+                              <p:cond delay="0"/>
+                            </p:stCondLst>
+                            <p:childTnLst>
+                              <p:par>
+                                <p:cTn id="5" presetID="10" presetClass="entr" presetSubtype="0" fill="hold" nodeType="withEffect">
+                                  <p:stCondLst>
+                                    <p:cond delay="0"/>
+                                  </p:stCondLst>
+                                  <p:childTnLst>
+                                    <p:set>
+                                      <p:cBhvr>
+                                        <p:cTn id="6" dur="1" fill="hold">
+                                          <p:stCondLst>
+                                            <p:cond delay="0"/>
+                                          </p:stCondLst>
+                                        </p:cTn>
+                                        <p:tgtEl>
+                                          <p:spTgt spid="4"/>
+                                        </p:tgtEl>
+                                        <p:attrNameLst>
+                                          <p:attrName>style.visibility</p:attrName>
+                                        </p:attrNameLst>
+                                      </p:cBhvr>
+                                      <p:to>
+                                        <p:strVal val="visible"/>
+                                      </p:to>
+                                    </p:set>
+                                    <p:animEffect transition="in" filter="fade">
+                                      <p:cBhvr>
+                                        <p:cTn id="7" dur="2000"/>
+                                        <p:tgtEl>
+                                          <p:spTgt spid="4"/>
+                                        </p:tgtEl>
+                                      </p:cBhvr>
+                                    </p:animEffect>
+                                  </p:childTnLst>
+                                </p:cTn>
+                              </p:par>
+                              <p:par>
+                                <p:cTn id="8" presetID="10" presetClass="entr" presetSubtype="0" fill="hold" grpId="0" nodeType="withEffect">
+                                  <p:stCondLst>
+                                    <p:cond delay="0"/>
+                                  </p:stCondLst>
+                                  <p:childTnLst>
+                                    <p:set>
+                                      <p:cBhvr>
+                                        <p:cTn id="9" dur="1" fill="hold">
+                                          <p:stCondLst>
+                                            <p:cond delay="0"/>
+                                          </p:stCondLst>
+                                        </p:cTn>
+                                        <p:tgtEl>
+                                          <p:spTgt spid="2"/>
+                                        </p:tgtEl>
+                                        <p:attrNameLst>
+                                          <p:attrName>style.visibility</p:attrName>
+                                        </p:attrNameLst>
+                                      </p:cBhvr>
+                                      <p:to>
+                                        <p:strVal val="visible"/>
+                                      </p:to>
+                                    </p:set>
+                                    <p:animEffect transition="in" filter="fade">
+                                      <p:cBhvr>
+                                        <p:cTn id="10" dur="2000"/>
+                                        <p:tgtEl>
+                                          <p:spTgt spid="2"/>
+                                        </p:tgtEl>
+                                      </p:cBhvr>
+                                    </p:animEffect>
+                                  </p:childTnLst>
+                                </p:cTn>
+                              </p:par>
+                            </p:childTnLst>
+                          </p:cTn>
+                        </p:par>
+                        <p:par>
+                          <p:cTn id="11" fill="hold">
+                            <p:stCondLst>
+                              <p:cond delay="2000"/>
+                            </p:stCondLst>
+                            <p:childTnLst>
+                              <p:par>
+                                <p:cTn id="12" presetID="10" presetClass="entr" presetSubtype="0" fill="hold" grpId="0" nodeType="afterEffect">
+                                  <p:stCondLst>
+                                    <p:cond delay="0"/>
+                                  </p:stCondLst>
+                                  <p:childTnLst>
+                                    <p:set>
+                                      <p:cBhvr>
+                                        <p:cTn id="13" dur="1" fill="hold">
+                                          <p:stCondLst>
+                                            <p:cond delay="0"/>
+                                          </p:stCondLst>
+                                        </p:cTn>
+                                        <p:tgtEl>
+                                          <p:spTgt spid="8"/>
+                                        </p:tgtEl>
+                                        <p:attrNameLst>
+                                          <p:attrName>style.visibility</p:attrName>
+                                        </p:attrNameLst>
+                                      </p:cBhvr>
+                                      <p:to>
+                                        <p:strVal val="visible"/>
+                                      </p:to>
+                                    </p:set>
+                                    <p:animEffect transition="in" filter="fade">
+                                      <p:cBhvr>
+                                        <p:cTn id="14" dur="2000"/>
+                                        <p:tgtEl>
+                                          <p:spTgt spid="8"/>
+                                        </p:tgtEl>
+                                      </p:cBhvr>
+                                    </p:animEffect>
+                                  </p:childTnLst>
+                                </p:cTn>
+                              </p:par>
+                              <p:par>
+                                <p:cTn id="15" presetID="10" presetClass="entr" presetSubtype="0" fill="hold" grpId="0" nodeType="withEffect">
+                                  <p:stCondLst>
+                                    <p:cond delay="0"/>
+                                  </p:stCondLst>
+                                  <p:childTnLst>
+                                    <p:set>
+                                      <p:cBhvr>
+                                        <p:cTn id="16" dur="1" fill="hold">
+                                          <p:stCondLst>
+                                            <p:cond delay="0"/>
+                                          </p:stCondLst>
+                                        </p:cTn>
+                                        <p:tgtEl>
+                                          <p:spTgt spid="7"/>
+                                        </p:tgtEl>
+                                        <p:attrNameLst>
+                                          <p:attrName>style.visibility</p:attrName>
+                                        </p:attrNameLst>
+                                      </p:cBhvr>
+                                      <p:to>
+                                        <p:strVal val="visible"/>
+                                      </p:to>
+                                    </p:set>
+                                    <p:animEffect transition="in" filter="fade">
+                                      <p:cBhvr>
+                                        <p:cTn id="17" dur="2000"/>
+                                        <p:tgtEl>
+                                          <p:spTgt spid="7"/>
+                                        </p:tgtEl>
+                                      </p:cBhvr>
+                                    </p:animEffect>
+                                  </p:childTnLst>
+                                </p:cTn>
+                              </p:par>
+                            </p:childTnLst>
+                          </p:cTn>
+                        </p:par>
+                        <p:par>
+                          <p:cTn id="18" fill="hold">
+                            <p:stCondLst>
+                              <p:cond delay="4000"/>
+                            </p:stCondLst>
+                            <p:childTnLst>
+                              <p:par>
+                                <p:cTn id="19" presetID="10" presetClass="entr" presetSubtype="0" fill="hold" grpId="0" nodeType="afterEffect">
+                                  <p:stCondLst>
+                                    <p:cond delay="0"/>
+                                  </p:stCondLst>
+                                  <p:childTnLst>
+                                    <p:set>
+                                      <p:cBhvr>
+                                        <p:cTn id="20" dur="1" fill="hold">
+                                          <p:stCondLst>
+                                            <p:cond delay="0"/>
+                                          </p:stCondLst>
+                                        </p:cTn>
+                                        <p:tgtEl>
+                                          <p:spTgt spid="9"/>
+                                        </p:tgtEl>
+                                        <p:attrNameLst>
+                                          <p:attrName>style.visibility</p:attrName>
+                                        </p:attrNameLst>
+                                      </p:cBhvr>
+                                      <p:to>
+                                        <p:strVal val="visible"/>
+                                      </p:to>
+                                    </p:set>
+                                    <p:animEffect transition="in" filter="fade">
+                                      <p:cBhvr>
+                                        <p:cTn id="21" dur="2000"/>
+                                        <p:tgtEl>
+                                          <p:spTgt spid="9"/>
+                                        </p:tgtEl>
+                                      </p:cBhvr>
+                                    </p:animEffect>
+                                  </p:childTnLst>
+                                </p:cTn>
+                              </p:par>
+                              <p:par>
+                                <p:cTn id="22" presetID="10" presetClass="entr" presetSubtype="0" fill="hold" grpId="0" nodeType="withEffect">
+                                  <p:stCondLst>
+                                    <p:cond delay="0"/>
+                                  </p:stCondLst>
+                                  <p:childTnLst>
+                                    <p:set>
+                                      <p:cBhvr>
+                                        <p:cTn id="23" dur="1" fill="hold">
+                                          <p:stCondLst>
+                                            <p:cond delay="0"/>
+                                          </p:stCondLst>
+                                        </p:cTn>
+                                        <p:tgtEl>
+                                          <p:spTgt spid="11"/>
+                                        </p:tgtEl>
+                                        <p:attrNameLst>
+                                          <p:attrName>style.visibility</p:attrName>
+                                        </p:attrNameLst>
+                                      </p:cBhvr>
+                                      <p:to>
+                                        <p:strVal val="visible"/>
+                                      </p:to>
+                                    </p:set>
+                                    <p:animEffect transition="in" filter="fade">
+                                      <p:cBhvr>
+                                        <p:cTn id="24" dur="2000"/>
+                                        <p:tgtEl>
+                                          <p:spTgt spid="11"/>
+                                        </p:tgtEl>
+                                      </p:cBhvr>
+                                    </p:animEffect>
+                                  </p:childTnLst>
+                                </p:cTn>
+                              </p:par>
+                            </p:childTnLst>
+                          </p:cTn>
+                        </p:par>
+                        <p:par>
+                          <p:cTn id="25" fill="hold">
+                            <p:stCondLst>
+                              <p:cond delay="6000"/>
+                            </p:stCondLst>
+                            <p:childTnLst>
+                              <p:par>
+                                <p:cTn id="26" presetID="10" presetClass="entr" presetSubtype="0" fill="hold" grpId="0" nodeType="afterEffect">
+                                  <p:stCondLst>
+                                    <p:cond delay="0"/>
+                                  </p:stCondLst>
+                                  <p:childTnLst>
+                                    <p:set>
+                                      <p:cBhvr>
+                                        <p:cTn id="27" dur="1" fill="hold">
+                                          <p:stCondLst>
+                                            <p:cond delay="0"/>
+                                          </p:stCondLst>
+                                        </p:cTn>
+                                        <p:tgtEl>
+                                          <p:spTgt spid="6"/>
+                                        </p:tgtEl>
+                                        <p:attrNameLst>
+                                          <p:attrName>style.visibility</p:attrName>
+                                        </p:attrNameLst>
+                                      </p:cBhvr>
+                                      <p:to>
+                                        <p:strVal val="visible"/>
+                                      </p:to>
+                                    </p:set>
+                                    <p:animEffect transition="in" filter="fade">
+                                      <p:cBhvr>
+                                        <p:cTn id="28" dur="2000"/>
+                                        <p:tgtEl>
+                                          <p:spTgt spid="6"/>
+                                        </p:tgtEl>
+                                      </p:cBhvr>
+                                    </p:animEffect>
+                                  </p:childTnLst>
+                                </p:cTn>
+                              </p:par>
+                              <p:par>
+                                <p:cTn id="29" presetID="10" presetClass="entr" presetSubtype="0" fill="hold" grpId="0" nodeType="withEffect">
+                                  <p:stCondLst>
+                                    <p:cond delay="0"/>
+                                  </p:stCondLst>
+                                  <p:childTnLst>
+                                    <p:set>
+                                      <p:cBhvr>
+                                        <p:cTn id="30" dur="1" fill="hold">
+                                          <p:stCondLst>
+                                            <p:cond delay="0"/>
+                                          </p:stCondLst>
+                                        </p:cTn>
+                                        <p:tgtEl>
+                                          <p:spTgt spid="10"/>
+                                        </p:tgtEl>
+                                        <p:attrNameLst>
+                                          <p:attrName>style.visibility</p:attrName>
+                                        </p:attrNameLst>
+                                      </p:cBhvr>
+                                      <p:to>
+                                        <p:strVal val="visible"/>
+                                      </p:to>
+                                    </p:set>
+                                    <p:animEffect transition="in" filter="fade">
+                                      <p:cBhvr>
+                                        <p:cTn id="31" dur="2000"/>
+                                        <p:tgtEl>
+                                          <p:spTgt spid="10"/>
+                                        </p:tgtEl>
+                                      </p:cBhvr>
+                                    </p:animEffect>
+                                  </p:childTnLst>
+                                </p:cTn>
+                              </p:par>
+                            </p:childTnLst>
+                          </p:cTn>
+                        </p:par>
+                      </p:childTnLst>
+                    </p:cTn>
+                  </p:par>
+                </p:childTnLst>
+              </p:cTn>
+              <p:prevCondLst>
+                <p:cond evt="onPrev" delay="0">
+                  <p:tgtEl>
+                    <p:sldTgt/>
+                  </p:tgtEl>
+                </p:cond>
+              </p:prevCondLst>
+              <p:nextCondLst>
+                <p:cond evt="onNext" delay="0">
+                  <p:tgtEl>
+                    <p:sldTgt/>
+                  </p:tgtEl>
+                </p:cond>
+              </p:nextCondLst>
+            </p:seq>
+          </p:childTnLst>
+        </p:cTn>
+      </p:par>
+    </p:tnLst>
+    <p:bldLst>
+      <p:bldP spid="2" grpId="0"/>
+      <p:bldP spid="6" grpId="0"/>
+      <p:bldP spid="7" grpId="0" animBg="1"/>
+      <p:bldP spid="8" grpId="0"/>
+      <p:bldP spid="9" grpId="0"/>
+      <p:bldP spid="10" grpId="0" animBg="1"/>
+      <p:bldP spid="11" grpId="0" animBg="1"/>
+    </p:bldLst>
+  </p:timing>
+</p:sld>
+</file>
+
+<file path=ppt/slides/slide4.xml><?xml version="1.0" encoding="utf-8"?>
 <p:sld xmlns:a="http://schemas.openxmlformats.org/drawingml/2006/main" xmlns:r="http://schemas.openxmlformats.org/officeDocument/2006/relationships" xmlns:p="http://schemas.openxmlformats.org/presentationml/2006/main">
   <p:cSld>
     <p:spTree>
